--- a/Презентации/2/2.pptx
+++ b/Презентации/2/2.pptx
@@ -24,6 +24,7 @@
     <p:sldId id="274" r:id="rId18"/>
     <p:sldId id="275" r:id="rId19"/>
     <p:sldId id="270" r:id="rId20"/>
+    <p:sldId id="276" r:id="rId21"/>
   </p:sldIdLst>
   <p:sldSz cx="12192000" cy="6858000"/>
   <p:notesSz cx="6858000" cy="9144000"/>
@@ -122,6 +123,11 @@
       </a:defRPr>
     </a:lvl9pPr>
   </p:defaultTextStyle>
+  <p:extLst>
+    <p:ext uri="{EFAFB233-063F-42B5-8137-9DF3F51BA10A}">
+      <p15:sldGuideLst xmlns:p15="http://schemas.microsoft.com/office/powerpoint/2012/main"/>
+    </p:ext>
+  </p:extLst>
 </p:presentation>
 </file>
 
@@ -4084,9 +4090,57 @@
           </a:prstGeom>
         </p:spPr>
       </p:pic>
+      <p:sp>
+        <p:nvSpPr>
+          <p:cNvPr id="11" name="Заголовок 1"/>
+          <p:cNvSpPr txBox="1">
+            <a:spLocks/>
+          </p:cNvSpPr>
+          <p:nvPr/>
+        </p:nvSpPr>
+        <p:spPr>
+          <a:xfrm>
+            <a:off x="3326915" y="5102443"/>
+            <a:ext cx="975360" cy="366395"/>
+          </a:xfrm>
+          <a:prstGeom prst="rect">
+            <a:avLst/>
+          </a:prstGeom>
+        </p:spPr>
+        <p:txBody>
+          <a:bodyPr vert="horz" lIns="91440" tIns="45720" rIns="91440" bIns="45720" rtlCol="0" anchor="ctr">
+            <a:normAutofit fontScale="90000" lnSpcReduction="10000"/>
+          </a:bodyPr>
+          <a:lstStyle>
+            <a:lvl1pPr algn="l" defTabSz="914400" rtl="0" eaLnBrk="1" latinLnBrk="0" hangingPunct="1">
+              <a:lnSpc>
+                <a:spcPct val="90000"/>
+              </a:lnSpc>
+              <a:spcBef>
+                <a:spcPct val="0"/>
+              </a:spcBef>
+              <a:buNone/>
+              <a:defRPr sz="4400" kern="1200">
+                <a:solidFill>
+                  <a:schemeClr val="tx1"/>
+                </a:solidFill>
+                <a:latin typeface="+mj-lt"/>
+                <a:ea typeface="+mj-ea"/>
+                <a:cs typeface="+mj-cs"/>
+              </a:defRPr>
+            </a:lvl1pPr>
+          </a:lstStyle>
+          <a:p>
+            <a:r>
+              <a:rPr lang="ru-RU" sz="2400" dirty="0" smtClean="0"/>
+              <a:t>Макс</a:t>
+            </a:r>
+          </a:p>
+        </p:txBody>
+      </p:sp>
       <p:pic>
         <p:nvPicPr>
-          <p:cNvPr id="10" name="Рисунок 9"/>
+          <p:cNvPr id="12" name="Рисунок 11"/>
           <p:cNvPicPr>
             <a:picLocks noChangeAspect="1"/>
           </p:cNvPicPr>
@@ -4106,8 +4160,8 @@
         </p:blipFill>
         <p:spPr>
           <a:xfrm>
-            <a:off x="2646262" y="1785084"/>
-            <a:ext cx="2336666" cy="3134162"/>
+            <a:off x="9769582" y="1753969"/>
+            <a:ext cx="2322624" cy="2543076"/>
           </a:xfrm>
           <a:prstGeom prst="rect">
             <a:avLst/>
@@ -4116,7 +4170,7 @@
       </p:pic>
       <p:sp>
         <p:nvSpPr>
-          <p:cNvPr id="11" name="Заголовок 1"/>
+          <p:cNvPr id="13" name="Заголовок 1"/>
           <p:cNvSpPr txBox="1">
             <a:spLocks/>
           </p:cNvSpPr>
@@ -4124,8 +4178,8 @@
         </p:nvSpPr>
         <p:spPr>
           <a:xfrm>
-            <a:off x="3326915" y="5102443"/>
-            <a:ext cx="975360" cy="366395"/>
+            <a:off x="10504174" y="5083927"/>
+            <a:ext cx="853440" cy="366395"/>
           </a:xfrm>
           <a:prstGeom prst="rect">
             <a:avLst/>
@@ -4157,44 +4211,15 @@
           <a:p>
             <a:r>
               <a:rPr lang="ru-RU" sz="2400" dirty="0" smtClean="0"/>
-              <a:t>Макс</a:t>
-            </a:r>
-          </a:p>
-        </p:txBody>
-      </p:sp>
-      <p:pic>
-        <p:nvPicPr>
-          <p:cNvPr id="12" name="Рисунок 11"/>
-          <p:cNvPicPr>
-            <a:picLocks noChangeAspect="1"/>
-          </p:cNvPicPr>
-          <p:nvPr/>
-        </p:nvPicPr>
-        <p:blipFill>
-          <a:blip r:embed="rId6">
-            <a:extLst>
-              <a:ext uri="{28A0092B-C50C-407E-A947-70E740481C1C}">
-                <a14:useLocalDpi xmlns:a14="http://schemas.microsoft.com/office/drawing/2010/main" val="0"/>
-              </a:ext>
-            </a:extLst>
-          </a:blip>
-          <a:stretch>
-            <a:fillRect/>
-          </a:stretch>
-        </p:blipFill>
-        <p:spPr>
-          <a:xfrm>
-            <a:off x="9769582" y="1753969"/>
-            <a:ext cx="2322624" cy="2543076"/>
-          </a:xfrm>
-          <a:prstGeom prst="rect">
-            <a:avLst/>
-          </a:prstGeom>
-        </p:spPr>
-      </p:pic>
-      <p:sp>
-        <p:nvSpPr>
-          <p:cNvPr id="13" name="Заголовок 1"/>
+              <a:t>Илья</a:t>
+            </a:r>
+            <a:endParaRPr lang="ru-RU" sz="2400" dirty="0"/>
+          </a:p>
+        </p:txBody>
+      </p:sp>
+      <p:sp>
+        <p:nvSpPr>
+          <p:cNvPr id="14" name="Заголовок 1"/>
           <p:cNvSpPr txBox="1">
             <a:spLocks/>
           </p:cNvSpPr>
@@ -4202,8 +4227,8 @@
         </p:nvSpPr>
         <p:spPr>
           <a:xfrm>
-            <a:off x="10504174" y="5083927"/>
-            <a:ext cx="853440" cy="366395"/>
+            <a:off x="940232" y="5102442"/>
+            <a:ext cx="1193368" cy="366395"/>
           </a:xfrm>
           <a:prstGeom prst="rect">
             <a:avLst/>
@@ -4235,61 +4260,36 @@
           <a:p>
             <a:r>
               <a:rPr lang="ru-RU" sz="2400" dirty="0" smtClean="0"/>
-              <a:t>Илья</a:t>
+              <a:t>Андрей</a:t>
             </a:r>
             <a:endParaRPr lang="ru-RU" sz="2400" dirty="0"/>
           </a:p>
         </p:txBody>
       </p:sp>
-      <p:sp>
-        <p:nvSpPr>
-          <p:cNvPr id="14" name="Заголовок 1"/>
-          <p:cNvSpPr txBox="1">
-            <a:spLocks/>
-          </p:cNvSpPr>
+      <p:pic>
+        <p:nvPicPr>
+          <p:cNvPr id="2" name="Рисунок 1"/>
+          <p:cNvPicPr>
+            <a:picLocks noChangeAspect="1"/>
+          </p:cNvPicPr>
           <p:nvPr/>
-        </p:nvSpPr>
+        </p:nvPicPr>
+        <p:blipFill>
+          <a:blip r:embed="rId6"/>
+          <a:stretch>
+            <a:fillRect/>
+          </a:stretch>
+        </p:blipFill>
         <p:spPr>
           <a:xfrm>
-            <a:off x="940232" y="5102442"/>
-            <a:ext cx="1193368" cy="366395"/>
+            <a:off x="2543712" y="1785084"/>
+            <a:ext cx="2413731" cy="2908836"/>
           </a:xfrm>
           <a:prstGeom prst="rect">
             <a:avLst/>
           </a:prstGeom>
         </p:spPr>
-        <p:txBody>
-          <a:bodyPr vert="horz" lIns="91440" tIns="45720" rIns="91440" bIns="45720" rtlCol="0" anchor="ctr">
-            <a:normAutofit fontScale="90000" lnSpcReduction="10000"/>
-          </a:bodyPr>
-          <a:lstStyle>
-            <a:lvl1pPr algn="l" defTabSz="914400" rtl="0" eaLnBrk="1" latinLnBrk="0" hangingPunct="1">
-              <a:lnSpc>
-                <a:spcPct val="90000"/>
-              </a:lnSpc>
-              <a:spcBef>
-                <a:spcPct val="0"/>
-              </a:spcBef>
-              <a:buNone/>
-              <a:defRPr sz="4400" kern="1200">
-                <a:solidFill>
-                  <a:schemeClr val="tx1"/>
-                </a:solidFill>
-                <a:latin typeface="+mj-lt"/>
-                <a:ea typeface="+mj-ea"/>
-                <a:cs typeface="+mj-cs"/>
-              </a:defRPr>
-            </a:lvl1pPr>
-          </a:lstStyle>
-          <a:p>
-            <a:r>
-              <a:rPr lang="ru-RU" sz="2400" dirty="0" smtClean="0"/>
-              <a:t>Андрей</a:t>
-            </a:r>
-            <a:endParaRPr lang="ru-RU" sz="2400" dirty="0"/>
-          </a:p>
-        </p:txBody>
-      </p:sp>
+      </p:pic>
     </p:spTree>
     <p:extLst>
       <p:ext uri="{BB962C8B-B14F-4D97-AF65-F5344CB8AC3E}">
@@ -4434,6 +4434,161 @@
     <p:extLst>
       <p:ext uri="{BB962C8B-B14F-4D97-AF65-F5344CB8AC3E}">
         <p14:creationId xmlns:p14="http://schemas.microsoft.com/office/powerpoint/2010/main" val="4084138506"/>
+      </p:ext>
+    </p:extLst>
+  </p:cSld>
+  <p:clrMapOvr>
+    <a:masterClrMapping/>
+  </p:clrMapOvr>
+  <p:timing>
+    <p:tnLst>
+      <p:par>
+        <p:cTn id="1" dur="indefinite" restart="never" nodeType="tmRoot"/>
+      </p:par>
+    </p:tnLst>
+  </p:timing>
+</p:sld>
+</file>
+
+<file path=ppt/slides/slide20.xml><?xml version="1.0" encoding="utf-8"?>
+<p:sld xmlns:a="http://schemas.openxmlformats.org/drawingml/2006/main" xmlns:r="http://schemas.openxmlformats.org/officeDocument/2006/relationships" xmlns:p="http://schemas.openxmlformats.org/presentationml/2006/main">
+  <p:cSld>
+    <p:spTree>
+      <p:nvGrpSpPr>
+        <p:cNvPr id="1" name=""/>
+        <p:cNvGrpSpPr/>
+        <p:nvPr/>
+      </p:nvGrpSpPr>
+      <p:grpSpPr>
+        <a:xfrm>
+          <a:off x="0" y="0"/>
+          <a:ext cx="0" cy="0"/>
+          <a:chOff x="0" y="0"/>
+          <a:chExt cx="0" cy="0"/>
+        </a:xfrm>
+      </p:grpSpPr>
+      <p:pic>
+        <p:nvPicPr>
+          <p:cNvPr id="10245" name="Picture 5" descr="C:\Users\Илья\Downloads\мем-неверный-парень-шаблон.jpg"/>
+          <p:cNvPicPr>
+            <a:picLocks noChangeAspect="1" noChangeArrowheads="1"/>
+          </p:cNvPicPr>
+          <p:nvPr/>
+        </p:nvPicPr>
+        <p:blipFill>
+          <a:blip r:embed="rId2" cstate="print"/>
+          <a:srcRect/>
+          <a:stretch>
+            <a:fillRect/>
+          </a:stretch>
+        </p:blipFill>
+        <p:spPr bwMode="auto">
+          <a:xfrm>
+            <a:off x="0" y="0"/>
+            <a:ext cx="12198891" cy="6858000"/>
+          </a:xfrm>
+          <a:prstGeom prst="rect">
+            <a:avLst/>
+          </a:prstGeom>
+          <a:noFill/>
+        </p:spPr>
+      </p:pic>
+      <p:pic>
+        <p:nvPicPr>
+          <p:cNvPr id="4" name="Объект 3"/>
+          <p:cNvPicPr>
+            <a:picLocks noGrp="1" noChangeAspect="1"/>
+          </p:cNvPicPr>
+          <p:nvPr>
+            <p:ph idx="1"/>
+          </p:nvPr>
+        </p:nvPicPr>
+        <p:blipFill>
+          <a:blip r:embed="rId3" cstate="print">
+            <a:extLst>
+              <a:ext uri="{28A0092B-C50C-407E-A947-70E740481C1C}">
+                <a14:useLocalDpi xmlns:a14="http://schemas.microsoft.com/office/drawing/2010/main" val="0"/>
+              </a:ext>
+            </a:extLst>
+          </a:blip>
+          <a:stretch>
+            <a:fillRect/>
+          </a:stretch>
+        </p:blipFill>
+        <p:spPr>
+          <a:xfrm>
+            <a:off x="8976320" y="1414296"/>
+            <a:ext cx="1824203" cy="1824203"/>
+          </a:xfrm>
+        </p:spPr>
+      </p:pic>
+      <p:sp>
+        <p:nvSpPr>
+          <p:cNvPr id="10244" name="AutoShape 4" descr="https://meduza.io/impro/HgjpkVp_aJgpcVArqryKktVUYyq-6NFpyij4jMnEArA/fill/0/0/no/1/aHR0cHM6Ly9tZWR1/emEuaW8vaW1hZ2Uv/YXR0YWNobWVudHMv/aW1hZ2VzLzAwMi80/NDYvODc0L2xhcmdl/L0daR3AxQUtIVTJY/bUYxQWxPUVlxRmcu/anBn.webp"/>
+          <p:cNvSpPr>
+            <a:spLocks noChangeAspect="1" noChangeArrowheads="1"/>
+          </p:cNvSpPr>
+          <p:nvPr/>
+        </p:nvSpPr>
+        <p:spPr bwMode="auto">
+          <a:xfrm>
+            <a:off x="207434" y="-182033"/>
+            <a:ext cx="397933" cy="397933"/>
+          </a:xfrm>
+          <a:prstGeom prst="rect">
+            <a:avLst/>
+          </a:prstGeom>
+          <a:noFill/>
+        </p:spPr>
+        <p:txBody>
+          <a:bodyPr vert="horz" wrap="square" lIns="121920" tIns="60960" rIns="121920" bIns="60960" numCol="1" anchor="t" anchorCtr="0" compatLnSpc="1">
+            <a:prstTxWarp prst="textNoShape">
+              <a:avLst/>
+            </a:prstTxWarp>
+          </a:bodyPr>
+          <a:lstStyle/>
+          <a:p>
+            <a:endParaRPr lang="ru-RU" sz="2400"/>
+          </a:p>
+        </p:txBody>
+      </p:sp>
+      <p:pic>
+        <p:nvPicPr>
+          <p:cNvPr id="8" name="Picture 2"/>
+          <p:cNvPicPr>
+            <a:picLocks noChangeAspect="1" noChangeArrowheads="1"/>
+          </p:cNvPicPr>
+          <p:nvPr/>
+        </p:nvPicPr>
+        <p:blipFill>
+          <a:blip r:embed="rId4" cstate="print"/>
+          <a:srcRect t="8333" r="64258" b="76042"/>
+          <a:stretch>
+            <a:fillRect/>
+          </a:stretch>
+        </p:blipFill>
+        <p:spPr bwMode="auto">
+          <a:xfrm>
+            <a:off x="380961" y="1809739"/>
+            <a:ext cx="5810249" cy="1428760"/>
+          </a:xfrm>
+          <a:prstGeom prst="rect">
+            <a:avLst/>
+          </a:prstGeom>
+          <a:noFill/>
+          <a:ln w="9525">
+            <a:noFill/>
+            <a:miter lim="800000"/>
+            <a:headEnd/>
+            <a:tailEnd/>
+          </a:ln>
+          <a:effectLst/>
+        </p:spPr>
+      </p:pic>
+    </p:spTree>
+    <p:extLst>
+      <p:ext uri="{BB962C8B-B14F-4D97-AF65-F5344CB8AC3E}">
+        <p14:creationId xmlns:p14="http://schemas.microsoft.com/office/powerpoint/2010/main" val="2685881503"/>
       </p:ext>
     </p:extLst>
   </p:cSld>
